--- a/ppt 16-9/0791.人生的道路.pptx
+++ b/ppt 16-9/0791.人生的道路.pptx
@@ -5,7 +5,7 @@
     <p:sldMasterId id="2147483648" r:id="rId1"/>
   </p:sldMasterIdLst>
   <p:sldIdLst>
-    <p:sldId id="2057" r:id="rId2"/>
+    <p:sldId id="2059" r:id="rId2"/>
   </p:sldIdLst>
   <p:sldSz cx="12192000" cy="6858000"/>
   <p:notesSz cx="6858000" cy="9144000"/>
@@ -129,7 +129,7 @@
           <p:cNvPr id="2" name="标题 1">
             <a:extLst>
               <a:ext uri="{FF2B5EF4-FFF2-40B4-BE49-F238E27FC236}">
-                <a16:creationId xmlns:a16="http://schemas.microsoft.com/office/drawing/2014/main" id="{551B451A-8BC8-348D-68C1-F4D98124B2C5}"/>
+                <a16:creationId xmlns:a16="http://schemas.microsoft.com/office/drawing/2014/main" id="{E57664B6-BC3A-8CDA-1311-9BB625B37FE3}"/>
               </a:ext>
             </a:extLst>
           </p:cNvPr>
@@ -166,7 +166,7 @@
           <p:cNvPr id="3" name="副标题 2">
             <a:extLst>
               <a:ext uri="{FF2B5EF4-FFF2-40B4-BE49-F238E27FC236}">
-                <a16:creationId xmlns:a16="http://schemas.microsoft.com/office/drawing/2014/main" id="{1FAB0E94-3C19-274F-F81E-4CFC54577D9A}"/>
+                <a16:creationId xmlns:a16="http://schemas.microsoft.com/office/drawing/2014/main" id="{78B98569-8ECB-54AC-6B62-9D252A162BB2}"/>
               </a:ext>
             </a:extLst>
           </p:cNvPr>
@@ -236,7 +236,7 @@
           <p:cNvPr id="4" name="日期占位符 3">
             <a:extLst>
               <a:ext uri="{FF2B5EF4-FFF2-40B4-BE49-F238E27FC236}">
-                <a16:creationId xmlns:a16="http://schemas.microsoft.com/office/drawing/2014/main" id="{C81D127E-1F0C-8A58-E34F-7F13583D1C64}"/>
+                <a16:creationId xmlns:a16="http://schemas.microsoft.com/office/drawing/2014/main" id="{6D532260-2D62-954F-2C84-2FDD75596025}"/>
               </a:ext>
             </a:extLst>
           </p:cNvPr>
@@ -252,7 +252,7 @@
           <a:bodyPr/>
           <a:lstStyle/>
           <a:p>
-            <a:fld id="{4AAE487F-9F97-4EE9-BD6E-17BAF8685E94}" type="datetimeFigureOut">
+            <a:fld id="{A3C45C9C-A633-4A32-8D7E-438D80000561}" type="datetimeFigureOut">
               <a:rPr lang="zh-CN" altLang="en-US" smtClean="0"/>
               <a:t>2024/3/10</a:t>
             </a:fld>
@@ -265,7 +265,7 @@
           <p:cNvPr id="5" name="页脚占位符 4">
             <a:extLst>
               <a:ext uri="{FF2B5EF4-FFF2-40B4-BE49-F238E27FC236}">
-                <a16:creationId xmlns:a16="http://schemas.microsoft.com/office/drawing/2014/main" id="{FAD94A91-A852-71A4-3C5B-1C657EFB92EF}"/>
+                <a16:creationId xmlns:a16="http://schemas.microsoft.com/office/drawing/2014/main" id="{E437D32C-F0C7-6D9B-4709-AC6EA09D043D}"/>
               </a:ext>
             </a:extLst>
           </p:cNvPr>
@@ -290,7 +290,7 @@
           <p:cNvPr id="6" name="灯片编号占位符 5">
             <a:extLst>
               <a:ext uri="{FF2B5EF4-FFF2-40B4-BE49-F238E27FC236}">
-                <a16:creationId xmlns:a16="http://schemas.microsoft.com/office/drawing/2014/main" id="{C77A4234-3E57-BAAF-C96D-CC7C39CD9972}"/>
+                <a16:creationId xmlns:a16="http://schemas.microsoft.com/office/drawing/2014/main" id="{E9E0AABF-C16E-8AA0-AE8D-71FFCC06B655}"/>
               </a:ext>
             </a:extLst>
           </p:cNvPr>
@@ -306,7 +306,7 @@
           <a:bodyPr/>
           <a:lstStyle/>
           <a:p>
-            <a:fld id="{E2C99DF3-7FF9-4C25-B79F-451FC8A105F6}" type="slidenum">
+            <a:fld id="{8EB96629-AE95-411E-B228-F5AC6B428582}" type="slidenum">
               <a:rPr lang="zh-CN" altLang="en-US" smtClean="0"/>
               <a:t>‹#›</a:t>
             </a:fld>
@@ -317,7 +317,7 @@
     </p:spTree>
     <p:extLst>
       <p:ext uri="{BB962C8B-B14F-4D97-AF65-F5344CB8AC3E}">
-        <p14:creationId xmlns:p14="http://schemas.microsoft.com/office/powerpoint/2010/main" val="792276668"/>
+        <p14:creationId xmlns:p14="http://schemas.microsoft.com/office/powerpoint/2010/main" val="3376049078"/>
       </p:ext>
     </p:extLst>
   </p:cSld>
@@ -349,7 +349,7 @@
           <p:cNvPr id="2" name="标题 1">
             <a:extLst>
               <a:ext uri="{FF2B5EF4-FFF2-40B4-BE49-F238E27FC236}">
-                <a16:creationId xmlns:a16="http://schemas.microsoft.com/office/drawing/2014/main" id="{766AFC15-9166-7FA0-5988-3EEF41655A13}"/>
+                <a16:creationId xmlns:a16="http://schemas.microsoft.com/office/drawing/2014/main" id="{1807588C-16BD-A55F-C269-4319706DEA5A}"/>
               </a:ext>
             </a:extLst>
           </p:cNvPr>
@@ -377,7 +377,7 @@
           <p:cNvPr id="3" name="竖排文字占位符 2">
             <a:extLst>
               <a:ext uri="{FF2B5EF4-FFF2-40B4-BE49-F238E27FC236}">
-                <a16:creationId xmlns:a16="http://schemas.microsoft.com/office/drawing/2014/main" id="{FBBE5371-5C1A-877A-C08F-EEBF5751D84A}"/>
+                <a16:creationId xmlns:a16="http://schemas.microsoft.com/office/drawing/2014/main" id="{306F61DB-3FAE-3EF2-5D25-3DE012ECA82D}"/>
               </a:ext>
             </a:extLst>
           </p:cNvPr>
@@ -434,7 +434,7 @@
           <p:cNvPr id="4" name="日期占位符 3">
             <a:extLst>
               <a:ext uri="{FF2B5EF4-FFF2-40B4-BE49-F238E27FC236}">
-                <a16:creationId xmlns:a16="http://schemas.microsoft.com/office/drawing/2014/main" id="{5EA9C91C-6D6D-0E4F-3FE6-C74EC7308AEA}"/>
+                <a16:creationId xmlns:a16="http://schemas.microsoft.com/office/drawing/2014/main" id="{0B43960B-1A94-57E4-838F-F493C56992D3}"/>
               </a:ext>
             </a:extLst>
           </p:cNvPr>
@@ -450,7 +450,7 @@
           <a:bodyPr/>
           <a:lstStyle/>
           <a:p>
-            <a:fld id="{4AAE487F-9F97-4EE9-BD6E-17BAF8685E94}" type="datetimeFigureOut">
+            <a:fld id="{A3C45C9C-A633-4A32-8D7E-438D80000561}" type="datetimeFigureOut">
               <a:rPr lang="zh-CN" altLang="en-US" smtClean="0"/>
               <a:t>2024/3/10</a:t>
             </a:fld>
@@ -463,7 +463,7 @@
           <p:cNvPr id="5" name="页脚占位符 4">
             <a:extLst>
               <a:ext uri="{FF2B5EF4-FFF2-40B4-BE49-F238E27FC236}">
-                <a16:creationId xmlns:a16="http://schemas.microsoft.com/office/drawing/2014/main" id="{86EE8288-E430-A0BD-8D80-15F77A1B0889}"/>
+                <a16:creationId xmlns:a16="http://schemas.microsoft.com/office/drawing/2014/main" id="{1DBDA6A1-00ED-52ED-05BC-70800A6F71FB}"/>
               </a:ext>
             </a:extLst>
           </p:cNvPr>
@@ -488,7 +488,7 @@
           <p:cNvPr id="6" name="灯片编号占位符 5">
             <a:extLst>
               <a:ext uri="{FF2B5EF4-FFF2-40B4-BE49-F238E27FC236}">
-                <a16:creationId xmlns:a16="http://schemas.microsoft.com/office/drawing/2014/main" id="{2E939D53-2E42-2EA0-1BF1-F0621B97952C}"/>
+                <a16:creationId xmlns:a16="http://schemas.microsoft.com/office/drawing/2014/main" id="{8EE1B1A0-4A81-CA43-C3BE-30474D553FEE}"/>
               </a:ext>
             </a:extLst>
           </p:cNvPr>
@@ -504,7 +504,7 @@
           <a:bodyPr/>
           <a:lstStyle/>
           <a:p>
-            <a:fld id="{E2C99DF3-7FF9-4C25-B79F-451FC8A105F6}" type="slidenum">
+            <a:fld id="{8EB96629-AE95-411E-B228-F5AC6B428582}" type="slidenum">
               <a:rPr lang="zh-CN" altLang="en-US" smtClean="0"/>
               <a:t>‹#›</a:t>
             </a:fld>
@@ -515,7 +515,7 @@
     </p:spTree>
     <p:extLst>
       <p:ext uri="{BB962C8B-B14F-4D97-AF65-F5344CB8AC3E}">
-        <p14:creationId xmlns:p14="http://schemas.microsoft.com/office/powerpoint/2010/main" val="3749762141"/>
+        <p14:creationId xmlns:p14="http://schemas.microsoft.com/office/powerpoint/2010/main" val="2945355305"/>
       </p:ext>
     </p:extLst>
   </p:cSld>
@@ -547,7 +547,7 @@
           <p:cNvPr id="2" name="竖排标题 1">
             <a:extLst>
               <a:ext uri="{FF2B5EF4-FFF2-40B4-BE49-F238E27FC236}">
-                <a16:creationId xmlns:a16="http://schemas.microsoft.com/office/drawing/2014/main" id="{9E87A826-9412-B14C-8DC8-4AD5C8132F62}"/>
+                <a16:creationId xmlns:a16="http://schemas.microsoft.com/office/drawing/2014/main" id="{584848A6-B989-D2F2-FC9C-D897162EACCF}"/>
               </a:ext>
             </a:extLst>
           </p:cNvPr>
@@ -580,7 +580,7 @@
           <p:cNvPr id="3" name="竖排文字占位符 2">
             <a:extLst>
               <a:ext uri="{FF2B5EF4-FFF2-40B4-BE49-F238E27FC236}">
-                <a16:creationId xmlns:a16="http://schemas.microsoft.com/office/drawing/2014/main" id="{21621FF5-00C8-C203-4DBD-ECDF93227156}"/>
+                <a16:creationId xmlns:a16="http://schemas.microsoft.com/office/drawing/2014/main" id="{22A1111D-6D94-C298-A7CB-449D829D4CCA}"/>
               </a:ext>
             </a:extLst>
           </p:cNvPr>
@@ -642,7 +642,7 @@
           <p:cNvPr id="4" name="日期占位符 3">
             <a:extLst>
               <a:ext uri="{FF2B5EF4-FFF2-40B4-BE49-F238E27FC236}">
-                <a16:creationId xmlns:a16="http://schemas.microsoft.com/office/drawing/2014/main" id="{E726EAA7-CD9E-2601-E279-4493A0C79A0D}"/>
+                <a16:creationId xmlns:a16="http://schemas.microsoft.com/office/drawing/2014/main" id="{90D35D2B-FCA2-19D4-9D64-F9F131EBAF03}"/>
               </a:ext>
             </a:extLst>
           </p:cNvPr>
@@ -658,7 +658,7 @@
           <a:bodyPr/>
           <a:lstStyle/>
           <a:p>
-            <a:fld id="{4AAE487F-9F97-4EE9-BD6E-17BAF8685E94}" type="datetimeFigureOut">
+            <a:fld id="{A3C45C9C-A633-4A32-8D7E-438D80000561}" type="datetimeFigureOut">
               <a:rPr lang="zh-CN" altLang="en-US" smtClean="0"/>
               <a:t>2024/3/10</a:t>
             </a:fld>
@@ -671,7 +671,7 @@
           <p:cNvPr id="5" name="页脚占位符 4">
             <a:extLst>
               <a:ext uri="{FF2B5EF4-FFF2-40B4-BE49-F238E27FC236}">
-                <a16:creationId xmlns:a16="http://schemas.microsoft.com/office/drawing/2014/main" id="{C194857D-44EB-CE01-975D-F0E1C7EDD112}"/>
+                <a16:creationId xmlns:a16="http://schemas.microsoft.com/office/drawing/2014/main" id="{4AA076B6-2878-F708-7A66-F95AFAE8EA6F}"/>
               </a:ext>
             </a:extLst>
           </p:cNvPr>
@@ -696,7 +696,7 @@
           <p:cNvPr id="6" name="灯片编号占位符 5">
             <a:extLst>
               <a:ext uri="{FF2B5EF4-FFF2-40B4-BE49-F238E27FC236}">
-                <a16:creationId xmlns:a16="http://schemas.microsoft.com/office/drawing/2014/main" id="{8C0C9A28-512D-1E48-EF6B-8C3A299041EB}"/>
+                <a16:creationId xmlns:a16="http://schemas.microsoft.com/office/drawing/2014/main" id="{AA6CBF97-D0B1-6622-03C2-CF14867A1385}"/>
               </a:ext>
             </a:extLst>
           </p:cNvPr>
@@ -712,7 +712,7 @@
           <a:bodyPr/>
           <a:lstStyle/>
           <a:p>
-            <a:fld id="{E2C99DF3-7FF9-4C25-B79F-451FC8A105F6}" type="slidenum">
+            <a:fld id="{8EB96629-AE95-411E-B228-F5AC6B428582}" type="slidenum">
               <a:rPr lang="zh-CN" altLang="en-US" smtClean="0"/>
               <a:t>‹#›</a:t>
             </a:fld>
@@ -723,7 +723,7 @@
     </p:spTree>
     <p:extLst>
       <p:ext uri="{BB962C8B-B14F-4D97-AF65-F5344CB8AC3E}">
-        <p14:creationId xmlns:p14="http://schemas.microsoft.com/office/powerpoint/2010/main" val="4089931277"/>
+        <p14:creationId xmlns:p14="http://schemas.microsoft.com/office/powerpoint/2010/main" val="2463158140"/>
       </p:ext>
     </p:extLst>
   </p:cSld>
@@ -755,7 +755,7 @@
           <p:cNvPr id="2" name="标题 1">
             <a:extLst>
               <a:ext uri="{FF2B5EF4-FFF2-40B4-BE49-F238E27FC236}">
-                <a16:creationId xmlns:a16="http://schemas.microsoft.com/office/drawing/2014/main" id="{F9A82856-F897-FC15-EEC3-3AEC81043E86}"/>
+                <a16:creationId xmlns:a16="http://schemas.microsoft.com/office/drawing/2014/main" id="{D5FF7013-1901-B8C9-2C1E-C97225C7F738}"/>
               </a:ext>
             </a:extLst>
           </p:cNvPr>
@@ -783,7 +783,7 @@
           <p:cNvPr id="3" name="内容占位符 2">
             <a:extLst>
               <a:ext uri="{FF2B5EF4-FFF2-40B4-BE49-F238E27FC236}">
-                <a16:creationId xmlns:a16="http://schemas.microsoft.com/office/drawing/2014/main" id="{106A787F-EB30-6FB4-2D76-1F7D2A3011B7}"/>
+                <a16:creationId xmlns:a16="http://schemas.microsoft.com/office/drawing/2014/main" id="{904C8E47-6878-7129-9DFC-F1FB4DFD1018}"/>
               </a:ext>
             </a:extLst>
           </p:cNvPr>
@@ -840,7 +840,7 @@
           <p:cNvPr id="4" name="日期占位符 3">
             <a:extLst>
               <a:ext uri="{FF2B5EF4-FFF2-40B4-BE49-F238E27FC236}">
-                <a16:creationId xmlns:a16="http://schemas.microsoft.com/office/drawing/2014/main" id="{4E8B8BB9-37DE-A678-6248-82408F18B3AD}"/>
+                <a16:creationId xmlns:a16="http://schemas.microsoft.com/office/drawing/2014/main" id="{4FD47D88-F22B-3B19-8886-479B04F1BBD1}"/>
               </a:ext>
             </a:extLst>
           </p:cNvPr>
@@ -856,7 +856,7 @@
           <a:bodyPr/>
           <a:lstStyle/>
           <a:p>
-            <a:fld id="{4AAE487F-9F97-4EE9-BD6E-17BAF8685E94}" type="datetimeFigureOut">
+            <a:fld id="{A3C45C9C-A633-4A32-8D7E-438D80000561}" type="datetimeFigureOut">
               <a:rPr lang="zh-CN" altLang="en-US" smtClean="0"/>
               <a:t>2024/3/10</a:t>
             </a:fld>
@@ -869,7 +869,7 @@
           <p:cNvPr id="5" name="页脚占位符 4">
             <a:extLst>
               <a:ext uri="{FF2B5EF4-FFF2-40B4-BE49-F238E27FC236}">
-                <a16:creationId xmlns:a16="http://schemas.microsoft.com/office/drawing/2014/main" id="{987635FF-22D2-75CA-3A54-C59C708BD1FF}"/>
+                <a16:creationId xmlns:a16="http://schemas.microsoft.com/office/drawing/2014/main" id="{8A3C2B9B-39DB-76D6-40B7-217C3E06931F}"/>
               </a:ext>
             </a:extLst>
           </p:cNvPr>
@@ -894,7 +894,7 @@
           <p:cNvPr id="6" name="灯片编号占位符 5">
             <a:extLst>
               <a:ext uri="{FF2B5EF4-FFF2-40B4-BE49-F238E27FC236}">
-                <a16:creationId xmlns:a16="http://schemas.microsoft.com/office/drawing/2014/main" id="{0BFBA5E4-1C4B-E94E-8B6A-722E4B50B72B}"/>
+                <a16:creationId xmlns:a16="http://schemas.microsoft.com/office/drawing/2014/main" id="{058E9429-77A0-44F1-9602-F11CFF0B5C1B}"/>
               </a:ext>
             </a:extLst>
           </p:cNvPr>
@@ -910,7 +910,7 @@
           <a:bodyPr/>
           <a:lstStyle/>
           <a:p>
-            <a:fld id="{E2C99DF3-7FF9-4C25-B79F-451FC8A105F6}" type="slidenum">
+            <a:fld id="{8EB96629-AE95-411E-B228-F5AC6B428582}" type="slidenum">
               <a:rPr lang="zh-CN" altLang="en-US" smtClean="0"/>
               <a:t>‹#›</a:t>
             </a:fld>
@@ -921,7 +921,7 @@
     </p:spTree>
     <p:extLst>
       <p:ext uri="{BB962C8B-B14F-4D97-AF65-F5344CB8AC3E}">
-        <p14:creationId xmlns:p14="http://schemas.microsoft.com/office/powerpoint/2010/main" val="2185980042"/>
+        <p14:creationId xmlns:p14="http://schemas.microsoft.com/office/powerpoint/2010/main" val="3052185548"/>
       </p:ext>
     </p:extLst>
   </p:cSld>
@@ -953,7 +953,7 @@
           <p:cNvPr id="2" name="标题 1">
             <a:extLst>
               <a:ext uri="{FF2B5EF4-FFF2-40B4-BE49-F238E27FC236}">
-                <a16:creationId xmlns:a16="http://schemas.microsoft.com/office/drawing/2014/main" id="{A791AB0D-9360-D916-A8E5-24D346D6FFCC}"/>
+                <a16:creationId xmlns:a16="http://schemas.microsoft.com/office/drawing/2014/main" id="{27689230-E7E1-FCCC-F078-C79D5339EC7D}"/>
               </a:ext>
             </a:extLst>
           </p:cNvPr>
@@ -990,7 +990,7 @@
           <p:cNvPr id="3" name="文本占位符 2">
             <a:extLst>
               <a:ext uri="{FF2B5EF4-FFF2-40B4-BE49-F238E27FC236}">
-                <a16:creationId xmlns:a16="http://schemas.microsoft.com/office/drawing/2014/main" id="{8C4AA566-F277-D5F5-AC20-7BBE09C7BA0B}"/>
+                <a16:creationId xmlns:a16="http://schemas.microsoft.com/office/drawing/2014/main" id="{4F58C244-1C10-DB24-329E-0F6809727A6E}"/>
               </a:ext>
             </a:extLst>
           </p:cNvPr>
@@ -1115,7 +1115,7 @@
           <p:cNvPr id="4" name="日期占位符 3">
             <a:extLst>
               <a:ext uri="{FF2B5EF4-FFF2-40B4-BE49-F238E27FC236}">
-                <a16:creationId xmlns:a16="http://schemas.microsoft.com/office/drawing/2014/main" id="{6F5FF9DA-2292-7355-D8BE-1FD7C15852C2}"/>
+                <a16:creationId xmlns:a16="http://schemas.microsoft.com/office/drawing/2014/main" id="{20368F75-74E1-8E9E-93C5-43C52D337F99}"/>
               </a:ext>
             </a:extLst>
           </p:cNvPr>
@@ -1131,7 +1131,7 @@
           <a:bodyPr/>
           <a:lstStyle/>
           <a:p>
-            <a:fld id="{4AAE487F-9F97-4EE9-BD6E-17BAF8685E94}" type="datetimeFigureOut">
+            <a:fld id="{A3C45C9C-A633-4A32-8D7E-438D80000561}" type="datetimeFigureOut">
               <a:rPr lang="zh-CN" altLang="en-US" smtClean="0"/>
               <a:t>2024/3/10</a:t>
             </a:fld>
@@ -1144,7 +1144,7 @@
           <p:cNvPr id="5" name="页脚占位符 4">
             <a:extLst>
               <a:ext uri="{FF2B5EF4-FFF2-40B4-BE49-F238E27FC236}">
-                <a16:creationId xmlns:a16="http://schemas.microsoft.com/office/drawing/2014/main" id="{D85FA2F0-C4AE-BE62-3B87-665A87922CA7}"/>
+                <a16:creationId xmlns:a16="http://schemas.microsoft.com/office/drawing/2014/main" id="{1CC2647B-A714-6187-D15E-980464F382B8}"/>
               </a:ext>
             </a:extLst>
           </p:cNvPr>
@@ -1169,7 +1169,7 @@
           <p:cNvPr id="6" name="灯片编号占位符 5">
             <a:extLst>
               <a:ext uri="{FF2B5EF4-FFF2-40B4-BE49-F238E27FC236}">
-                <a16:creationId xmlns:a16="http://schemas.microsoft.com/office/drawing/2014/main" id="{73F39C6A-2C28-EC34-522B-5E421026EB8E}"/>
+                <a16:creationId xmlns:a16="http://schemas.microsoft.com/office/drawing/2014/main" id="{EF573270-1B80-1DA4-6274-F7E37BF36892}"/>
               </a:ext>
             </a:extLst>
           </p:cNvPr>
@@ -1185,7 +1185,7 @@
           <a:bodyPr/>
           <a:lstStyle/>
           <a:p>
-            <a:fld id="{E2C99DF3-7FF9-4C25-B79F-451FC8A105F6}" type="slidenum">
+            <a:fld id="{8EB96629-AE95-411E-B228-F5AC6B428582}" type="slidenum">
               <a:rPr lang="zh-CN" altLang="en-US" smtClean="0"/>
               <a:t>‹#›</a:t>
             </a:fld>
@@ -1196,7 +1196,7 @@
     </p:spTree>
     <p:extLst>
       <p:ext uri="{BB962C8B-B14F-4D97-AF65-F5344CB8AC3E}">
-        <p14:creationId xmlns:p14="http://schemas.microsoft.com/office/powerpoint/2010/main" val="1628455570"/>
+        <p14:creationId xmlns:p14="http://schemas.microsoft.com/office/powerpoint/2010/main" val="3287533287"/>
       </p:ext>
     </p:extLst>
   </p:cSld>
@@ -1228,7 +1228,7 @@
           <p:cNvPr id="2" name="标题 1">
             <a:extLst>
               <a:ext uri="{FF2B5EF4-FFF2-40B4-BE49-F238E27FC236}">
-                <a16:creationId xmlns:a16="http://schemas.microsoft.com/office/drawing/2014/main" id="{3E9CB75A-BF8E-A406-182C-10B4E9BD6FA8}"/>
+                <a16:creationId xmlns:a16="http://schemas.microsoft.com/office/drawing/2014/main" id="{9AABBFAF-586D-E89B-2321-29833F21D0BE}"/>
               </a:ext>
             </a:extLst>
           </p:cNvPr>
@@ -1256,7 +1256,7 @@
           <p:cNvPr id="3" name="内容占位符 2">
             <a:extLst>
               <a:ext uri="{FF2B5EF4-FFF2-40B4-BE49-F238E27FC236}">
-                <a16:creationId xmlns:a16="http://schemas.microsoft.com/office/drawing/2014/main" id="{A44D38D9-ADF8-6C79-3437-BCFF514F5465}"/>
+                <a16:creationId xmlns:a16="http://schemas.microsoft.com/office/drawing/2014/main" id="{04D19931-18FE-F093-A804-736A3A668D84}"/>
               </a:ext>
             </a:extLst>
           </p:cNvPr>
@@ -1318,7 +1318,7 @@
           <p:cNvPr id="4" name="内容占位符 3">
             <a:extLst>
               <a:ext uri="{FF2B5EF4-FFF2-40B4-BE49-F238E27FC236}">
-                <a16:creationId xmlns:a16="http://schemas.microsoft.com/office/drawing/2014/main" id="{4CCFCA39-EE55-4937-1750-AFD7DDF125CB}"/>
+                <a16:creationId xmlns:a16="http://schemas.microsoft.com/office/drawing/2014/main" id="{8331FE3F-6F27-EDDE-ABFA-5EE398195958}"/>
               </a:ext>
             </a:extLst>
           </p:cNvPr>
@@ -1380,7 +1380,7 @@
           <p:cNvPr id="5" name="日期占位符 4">
             <a:extLst>
               <a:ext uri="{FF2B5EF4-FFF2-40B4-BE49-F238E27FC236}">
-                <a16:creationId xmlns:a16="http://schemas.microsoft.com/office/drawing/2014/main" id="{C8A6013D-3462-215C-1E29-B588F3336755}"/>
+                <a16:creationId xmlns:a16="http://schemas.microsoft.com/office/drawing/2014/main" id="{3C0FAA45-60DC-00BC-F7EE-B80B9182D6F7}"/>
               </a:ext>
             </a:extLst>
           </p:cNvPr>
@@ -1396,7 +1396,7 @@
           <a:bodyPr/>
           <a:lstStyle/>
           <a:p>
-            <a:fld id="{4AAE487F-9F97-4EE9-BD6E-17BAF8685E94}" type="datetimeFigureOut">
+            <a:fld id="{A3C45C9C-A633-4A32-8D7E-438D80000561}" type="datetimeFigureOut">
               <a:rPr lang="zh-CN" altLang="en-US" smtClean="0"/>
               <a:t>2024/3/10</a:t>
             </a:fld>
@@ -1409,7 +1409,7 @@
           <p:cNvPr id="6" name="页脚占位符 5">
             <a:extLst>
               <a:ext uri="{FF2B5EF4-FFF2-40B4-BE49-F238E27FC236}">
-                <a16:creationId xmlns:a16="http://schemas.microsoft.com/office/drawing/2014/main" id="{177E4BD0-5661-E8AB-FDF1-99B6DE0E7EEC}"/>
+                <a16:creationId xmlns:a16="http://schemas.microsoft.com/office/drawing/2014/main" id="{02A1762D-9985-CF22-858E-4165E2DB0D60}"/>
               </a:ext>
             </a:extLst>
           </p:cNvPr>
@@ -1434,7 +1434,7 @@
           <p:cNvPr id="7" name="灯片编号占位符 6">
             <a:extLst>
               <a:ext uri="{FF2B5EF4-FFF2-40B4-BE49-F238E27FC236}">
-                <a16:creationId xmlns:a16="http://schemas.microsoft.com/office/drawing/2014/main" id="{CB715062-C6EB-6C45-A02C-F92C36BE791F}"/>
+                <a16:creationId xmlns:a16="http://schemas.microsoft.com/office/drawing/2014/main" id="{92824DB7-B39E-DA49-7E76-5DC03CA6D7A9}"/>
               </a:ext>
             </a:extLst>
           </p:cNvPr>
@@ -1450,7 +1450,7 @@
           <a:bodyPr/>
           <a:lstStyle/>
           <a:p>
-            <a:fld id="{E2C99DF3-7FF9-4C25-B79F-451FC8A105F6}" type="slidenum">
+            <a:fld id="{8EB96629-AE95-411E-B228-F5AC6B428582}" type="slidenum">
               <a:rPr lang="zh-CN" altLang="en-US" smtClean="0"/>
               <a:t>‹#›</a:t>
             </a:fld>
@@ -1461,7 +1461,7 @@
     </p:spTree>
     <p:extLst>
       <p:ext uri="{BB962C8B-B14F-4D97-AF65-F5344CB8AC3E}">
-        <p14:creationId xmlns:p14="http://schemas.microsoft.com/office/powerpoint/2010/main" val="2256264385"/>
+        <p14:creationId xmlns:p14="http://schemas.microsoft.com/office/powerpoint/2010/main" val="1711835568"/>
       </p:ext>
     </p:extLst>
   </p:cSld>
@@ -1493,7 +1493,7 @@
           <p:cNvPr id="2" name="标题 1">
             <a:extLst>
               <a:ext uri="{FF2B5EF4-FFF2-40B4-BE49-F238E27FC236}">
-                <a16:creationId xmlns:a16="http://schemas.microsoft.com/office/drawing/2014/main" id="{03EE38FF-38B7-492E-971D-A640D50C824C}"/>
+                <a16:creationId xmlns:a16="http://schemas.microsoft.com/office/drawing/2014/main" id="{75547E01-8903-F430-A4F7-FDE9E877244F}"/>
               </a:ext>
             </a:extLst>
           </p:cNvPr>
@@ -1526,7 +1526,7 @@
           <p:cNvPr id="3" name="文本占位符 2">
             <a:extLst>
               <a:ext uri="{FF2B5EF4-FFF2-40B4-BE49-F238E27FC236}">
-                <a16:creationId xmlns:a16="http://schemas.microsoft.com/office/drawing/2014/main" id="{2C6728B6-3171-BB65-A2AF-F4CC3FF30ECC}"/>
+                <a16:creationId xmlns:a16="http://schemas.microsoft.com/office/drawing/2014/main" id="{E99F1E4E-E372-6BE5-4423-26A238A9896F}"/>
               </a:ext>
             </a:extLst>
           </p:cNvPr>
@@ -1597,7 +1597,7 @@
           <p:cNvPr id="4" name="内容占位符 3">
             <a:extLst>
               <a:ext uri="{FF2B5EF4-FFF2-40B4-BE49-F238E27FC236}">
-                <a16:creationId xmlns:a16="http://schemas.microsoft.com/office/drawing/2014/main" id="{FD5F1A7E-64C8-FDFD-9834-096130ABE255}"/>
+                <a16:creationId xmlns:a16="http://schemas.microsoft.com/office/drawing/2014/main" id="{7F74E0C2-6C93-CFB5-82B3-C731F32E7277}"/>
               </a:ext>
             </a:extLst>
           </p:cNvPr>
@@ -1659,7 +1659,7 @@
           <p:cNvPr id="5" name="文本占位符 4">
             <a:extLst>
               <a:ext uri="{FF2B5EF4-FFF2-40B4-BE49-F238E27FC236}">
-                <a16:creationId xmlns:a16="http://schemas.microsoft.com/office/drawing/2014/main" id="{4B4E193E-1F7E-A234-4518-AB68C399D68F}"/>
+                <a16:creationId xmlns:a16="http://schemas.microsoft.com/office/drawing/2014/main" id="{48160D76-B7F9-A881-A7F5-97DA95C5980A}"/>
               </a:ext>
             </a:extLst>
           </p:cNvPr>
@@ -1730,7 +1730,7 @@
           <p:cNvPr id="6" name="内容占位符 5">
             <a:extLst>
               <a:ext uri="{FF2B5EF4-FFF2-40B4-BE49-F238E27FC236}">
-                <a16:creationId xmlns:a16="http://schemas.microsoft.com/office/drawing/2014/main" id="{AC92FFF0-283E-A013-BFB3-1522CECA56B9}"/>
+                <a16:creationId xmlns:a16="http://schemas.microsoft.com/office/drawing/2014/main" id="{CBCD1911-6455-F168-2E8B-5BB314FA4F2A}"/>
               </a:ext>
             </a:extLst>
           </p:cNvPr>
@@ -1792,7 +1792,7 @@
           <p:cNvPr id="7" name="日期占位符 6">
             <a:extLst>
               <a:ext uri="{FF2B5EF4-FFF2-40B4-BE49-F238E27FC236}">
-                <a16:creationId xmlns:a16="http://schemas.microsoft.com/office/drawing/2014/main" id="{A3C44779-CB58-AD04-5FD9-B4F0B7F89303}"/>
+                <a16:creationId xmlns:a16="http://schemas.microsoft.com/office/drawing/2014/main" id="{6B55CFB3-2A3A-59C5-5E17-0B163FA224EE}"/>
               </a:ext>
             </a:extLst>
           </p:cNvPr>
@@ -1808,7 +1808,7 @@
           <a:bodyPr/>
           <a:lstStyle/>
           <a:p>
-            <a:fld id="{4AAE487F-9F97-4EE9-BD6E-17BAF8685E94}" type="datetimeFigureOut">
+            <a:fld id="{A3C45C9C-A633-4A32-8D7E-438D80000561}" type="datetimeFigureOut">
               <a:rPr lang="zh-CN" altLang="en-US" smtClean="0"/>
               <a:t>2024/3/10</a:t>
             </a:fld>
@@ -1821,7 +1821,7 @@
           <p:cNvPr id="8" name="页脚占位符 7">
             <a:extLst>
               <a:ext uri="{FF2B5EF4-FFF2-40B4-BE49-F238E27FC236}">
-                <a16:creationId xmlns:a16="http://schemas.microsoft.com/office/drawing/2014/main" id="{7D3C761D-286C-6885-D9E6-CD087DC0F973}"/>
+                <a16:creationId xmlns:a16="http://schemas.microsoft.com/office/drawing/2014/main" id="{594D3B46-5BA6-34DB-854A-2B2853BD9A50}"/>
               </a:ext>
             </a:extLst>
           </p:cNvPr>
@@ -1846,7 +1846,7 @@
           <p:cNvPr id="9" name="灯片编号占位符 8">
             <a:extLst>
               <a:ext uri="{FF2B5EF4-FFF2-40B4-BE49-F238E27FC236}">
-                <a16:creationId xmlns:a16="http://schemas.microsoft.com/office/drawing/2014/main" id="{121D75D3-0C68-C81E-781D-255D18701590}"/>
+                <a16:creationId xmlns:a16="http://schemas.microsoft.com/office/drawing/2014/main" id="{340ACB57-7F56-A470-BEF0-A34104DF8243}"/>
               </a:ext>
             </a:extLst>
           </p:cNvPr>
@@ -1862,7 +1862,7 @@
           <a:bodyPr/>
           <a:lstStyle/>
           <a:p>
-            <a:fld id="{E2C99DF3-7FF9-4C25-B79F-451FC8A105F6}" type="slidenum">
+            <a:fld id="{8EB96629-AE95-411E-B228-F5AC6B428582}" type="slidenum">
               <a:rPr lang="zh-CN" altLang="en-US" smtClean="0"/>
               <a:t>‹#›</a:t>
             </a:fld>
@@ -1873,7 +1873,7 @@
     </p:spTree>
     <p:extLst>
       <p:ext uri="{BB962C8B-B14F-4D97-AF65-F5344CB8AC3E}">
-        <p14:creationId xmlns:p14="http://schemas.microsoft.com/office/powerpoint/2010/main" val="1301242791"/>
+        <p14:creationId xmlns:p14="http://schemas.microsoft.com/office/powerpoint/2010/main" val="3485428424"/>
       </p:ext>
     </p:extLst>
   </p:cSld>
@@ -1905,7 +1905,7 @@
           <p:cNvPr id="2" name="标题 1">
             <a:extLst>
               <a:ext uri="{FF2B5EF4-FFF2-40B4-BE49-F238E27FC236}">
-                <a16:creationId xmlns:a16="http://schemas.microsoft.com/office/drawing/2014/main" id="{910EE249-3673-3D04-8112-0F20D460D59E}"/>
+                <a16:creationId xmlns:a16="http://schemas.microsoft.com/office/drawing/2014/main" id="{72BEE7EA-6740-5AFB-DA17-686FFD81064C}"/>
               </a:ext>
             </a:extLst>
           </p:cNvPr>
@@ -1933,7 +1933,7 @@
           <p:cNvPr id="3" name="日期占位符 2">
             <a:extLst>
               <a:ext uri="{FF2B5EF4-FFF2-40B4-BE49-F238E27FC236}">
-                <a16:creationId xmlns:a16="http://schemas.microsoft.com/office/drawing/2014/main" id="{C2AEA219-0AF3-1F33-BF36-FA8FCF331FE8}"/>
+                <a16:creationId xmlns:a16="http://schemas.microsoft.com/office/drawing/2014/main" id="{7C6403F5-5C2E-2723-07FA-F7F290A2D222}"/>
               </a:ext>
             </a:extLst>
           </p:cNvPr>
@@ -1949,7 +1949,7 @@
           <a:bodyPr/>
           <a:lstStyle/>
           <a:p>
-            <a:fld id="{4AAE487F-9F97-4EE9-BD6E-17BAF8685E94}" type="datetimeFigureOut">
+            <a:fld id="{A3C45C9C-A633-4A32-8D7E-438D80000561}" type="datetimeFigureOut">
               <a:rPr lang="zh-CN" altLang="en-US" smtClean="0"/>
               <a:t>2024/3/10</a:t>
             </a:fld>
@@ -1962,7 +1962,7 @@
           <p:cNvPr id="4" name="页脚占位符 3">
             <a:extLst>
               <a:ext uri="{FF2B5EF4-FFF2-40B4-BE49-F238E27FC236}">
-                <a16:creationId xmlns:a16="http://schemas.microsoft.com/office/drawing/2014/main" id="{203B10D5-4C48-045D-AD9D-37AE014D7B13}"/>
+                <a16:creationId xmlns:a16="http://schemas.microsoft.com/office/drawing/2014/main" id="{010C33E0-43FE-5B02-BBD0-22BE9DA76F73}"/>
               </a:ext>
             </a:extLst>
           </p:cNvPr>
@@ -1987,7 +1987,7 @@
           <p:cNvPr id="5" name="灯片编号占位符 4">
             <a:extLst>
               <a:ext uri="{FF2B5EF4-FFF2-40B4-BE49-F238E27FC236}">
-                <a16:creationId xmlns:a16="http://schemas.microsoft.com/office/drawing/2014/main" id="{77841601-4E08-F13B-1767-F5F723D1E40A}"/>
+                <a16:creationId xmlns:a16="http://schemas.microsoft.com/office/drawing/2014/main" id="{D281AB02-D06A-D96E-E6AE-9AD53298FF4C}"/>
               </a:ext>
             </a:extLst>
           </p:cNvPr>
@@ -2003,7 +2003,7 @@
           <a:bodyPr/>
           <a:lstStyle/>
           <a:p>
-            <a:fld id="{E2C99DF3-7FF9-4C25-B79F-451FC8A105F6}" type="slidenum">
+            <a:fld id="{8EB96629-AE95-411E-B228-F5AC6B428582}" type="slidenum">
               <a:rPr lang="zh-CN" altLang="en-US" smtClean="0"/>
               <a:t>‹#›</a:t>
             </a:fld>
@@ -2014,7 +2014,7 @@
     </p:spTree>
     <p:extLst>
       <p:ext uri="{BB962C8B-B14F-4D97-AF65-F5344CB8AC3E}">
-        <p14:creationId xmlns:p14="http://schemas.microsoft.com/office/powerpoint/2010/main" val="556168839"/>
+        <p14:creationId xmlns:p14="http://schemas.microsoft.com/office/powerpoint/2010/main" val="807653827"/>
       </p:ext>
     </p:extLst>
   </p:cSld>
@@ -2046,7 +2046,7 @@
           <p:cNvPr id="2" name="日期占位符 1">
             <a:extLst>
               <a:ext uri="{FF2B5EF4-FFF2-40B4-BE49-F238E27FC236}">
-                <a16:creationId xmlns:a16="http://schemas.microsoft.com/office/drawing/2014/main" id="{05559E23-04D9-82D4-E2A9-391CD993F215}"/>
+                <a16:creationId xmlns:a16="http://schemas.microsoft.com/office/drawing/2014/main" id="{66F06531-3CD4-B085-1575-7A4E422BF626}"/>
               </a:ext>
             </a:extLst>
           </p:cNvPr>
@@ -2062,7 +2062,7 @@
           <a:bodyPr/>
           <a:lstStyle/>
           <a:p>
-            <a:fld id="{4AAE487F-9F97-4EE9-BD6E-17BAF8685E94}" type="datetimeFigureOut">
+            <a:fld id="{A3C45C9C-A633-4A32-8D7E-438D80000561}" type="datetimeFigureOut">
               <a:rPr lang="zh-CN" altLang="en-US" smtClean="0"/>
               <a:t>2024/3/10</a:t>
             </a:fld>
@@ -2075,7 +2075,7 @@
           <p:cNvPr id="3" name="页脚占位符 2">
             <a:extLst>
               <a:ext uri="{FF2B5EF4-FFF2-40B4-BE49-F238E27FC236}">
-                <a16:creationId xmlns:a16="http://schemas.microsoft.com/office/drawing/2014/main" id="{208EE774-692C-157F-6B37-15DF19C675D3}"/>
+                <a16:creationId xmlns:a16="http://schemas.microsoft.com/office/drawing/2014/main" id="{C5888FD5-3027-A095-9B93-416E490B6964}"/>
               </a:ext>
             </a:extLst>
           </p:cNvPr>
@@ -2100,7 +2100,7 @@
           <p:cNvPr id="4" name="灯片编号占位符 3">
             <a:extLst>
               <a:ext uri="{FF2B5EF4-FFF2-40B4-BE49-F238E27FC236}">
-                <a16:creationId xmlns:a16="http://schemas.microsoft.com/office/drawing/2014/main" id="{5B13F7B1-B6A5-6C7A-0C1A-86E2DEFF86A0}"/>
+                <a16:creationId xmlns:a16="http://schemas.microsoft.com/office/drawing/2014/main" id="{760FA0AA-1BB3-DBC1-EB95-333FA4B5D284}"/>
               </a:ext>
             </a:extLst>
           </p:cNvPr>
@@ -2116,7 +2116,7 @@
           <a:bodyPr/>
           <a:lstStyle/>
           <a:p>
-            <a:fld id="{E2C99DF3-7FF9-4C25-B79F-451FC8A105F6}" type="slidenum">
+            <a:fld id="{8EB96629-AE95-411E-B228-F5AC6B428582}" type="slidenum">
               <a:rPr lang="zh-CN" altLang="en-US" smtClean="0"/>
               <a:t>‹#›</a:t>
             </a:fld>
@@ -2127,7 +2127,7 @@
     </p:spTree>
     <p:extLst>
       <p:ext uri="{BB962C8B-B14F-4D97-AF65-F5344CB8AC3E}">
-        <p14:creationId xmlns:p14="http://schemas.microsoft.com/office/powerpoint/2010/main" val="3732269759"/>
+        <p14:creationId xmlns:p14="http://schemas.microsoft.com/office/powerpoint/2010/main" val="1528478173"/>
       </p:ext>
     </p:extLst>
   </p:cSld>
@@ -2159,7 +2159,7 @@
           <p:cNvPr id="2" name="标题 1">
             <a:extLst>
               <a:ext uri="{FF2B5EF4-FFF2-40B4-BE49-F238E27FC236}">
-                <a16:creationId xmlns:a16="http://schemas.microsoft.com/office/drawing/2014/main" id="{48E2835D-10F4-6648-0DBE-AD974AD35094}"/>
+                <a16:creationId xmlns:a16="http://schemas.microsoft.com/office/drawing/2014/main" id="{F94A1E88-03C6-24D7-1F01-765DCCBC8CC8}"/>
               </a:ext>
             </a:extLst>
           </p:cNvPr>
@@ -2196,7 +2196,7 @@
           <p:cNvPr id="3" name="内容占位符 2">
             <a:extLst>
               <a:ext uri="{FF2B5EF4-FFF2-40B4-BE49-F238E27FC236}">
-                <a16:creationId xmlns:a16="http://schemas.microsoft.com/office/drawing/2014/main" id="{CA0FA995-52C2-58BA-8953-2B636E8A0B72}"/>
+                <a16:creationId xmlns:a16="http://schemas.microsoft.com/office/drawing/2014/main" id="{F31E5CD4-54C6-3E45-9D09-726ABB13AB1C}"/>
               </a:ext>
             </a:extLst>
           </p:cNvPr>
@@ -2286,7 +2286,7 @@
           <p:cNvPr id="4" name="文本占位符 3">
             <a:extLst>
               <a:ext uri="{FF2B5EF4-FFF2-40B4-BE49-F238E27FC236}">
-                <a16:creationId xmlns:a16="http://schemas.microsoft.com/office/drawing/2014/main" id="{33F57B2D-DAA8-E0E7-C965-EEB2F593FD53}"/>
+                <a16:creationId xmlns:a16="http://schemas.microsoft.com/office/drawing/2014/main" id="{9A14285C-753D-2982-83CC-A42FBEB79595}"/>
               </a:ext>
             </a:extLst>
           </p:cNvPr>
@@ -2357,7 +2357,7 @@
           <p:cNvPr id="5" name="日期占位符 4">
             <a:extLst>
               <a:ext uri="{FF2B5EF4-FFF2-40B4-BE49-F238E27FC236}">
-                <a16:creationId xmlns:a16="http://schemas.microsoft.com/office/drawing/2014/main" id="{8C3EB95D-A43A-BE8E-4C99-A78A5A23D216}"/>
+                <a16:creationId xmlns:a16="http://schemas.microsoft.com/office/drawing/2014/main" id="{AA30C0B7-A5BD-EC02-E6E4-F9EFADFAD658}"/>
               </a:ext>
             </a:extLst>
           </p:cNvPr>
@@ -2373,7 +2373,7 @@
           <a:bodyPr/>
           <a:lstStyle/>
           <a:p>
-            <a:fld id="{4AAE487F-9F97-4EE9-BD6E-17BAF8685E94}" type="datetimeFigureOut">
+            <a:fld id="{A3C45C9C-A633-4A32-8D7E-438D80000561}" type="datetimeFigureOut">
               <a:rPr lang="zh-CN" altLang="en-US" smtClean="0"/>
               <a:t>2024/3/10</a:t>
             </a:fld>
@@ -2386,7 +2386,7 @@
           <p:cNvPr id="6" name="页脚占位符 5">
             <a:extLst>
               <a:ext uri="{FF2B5EF4-FFF2-40B4-BE49-F238E27FC236}">
-                <a16:creationId xmlns:a16="http://schemas.microsoft.com/office/drawing/2014/main" id="{E43FEEA8-CE80-EADC-ED3A-1D1744B5E5C4}"/>
+                <a16:creationId xmlns:a16="http://schemas.microsoft.com/office/drawing/2014/main" id="{28D1F9D4-8AC1-66EF-E979-1A3138C2F67B}"/>
               </a:ext>
             </a:extLst>
           </p:cNvPr>
@@ -2411,7 +2411,7 @@
           <p:cNvPr id="7" name="灯片编号占位符 6">
             <a:extLst>
               <a:ext uri="{FF2B5EF4-FFF2-40B4-BE49-F238E27FC236}">
-                <a16:creationId xmlns:a16="http://schemas.microsoft.com/office/drawing/2014/main" id="{FAEF9EAC-F4CF-7AC1-C9C8-310E4D64479F}"/>
+                <a16:creationId xmlns:a16="http://schemas.microsoft.com/office/drawing/2014/main" id="{9D684B30-615A-DDD7-D57E-C63754FEDEA4}"/>
               </a:ext>
             </a:extLst>
           </p:cNvPr>
@@ -2427,7 +2427,7 @@
           <a:bodyPr/>
           <a:lstStyle/>
           <a:p>
-            <a:fld id="{E2C99DF3-7FF9-4C25-B79F-451FC8A105F6}" type="slidenum">
+            <a:fld id="{8EB96629-AE95-411E-B228-F5AC6B428582}" type="slidenum">
               <a:rPr lang="zh-CN" altLang="en-US" smtClean="0"/>
               <a:t>‹#›</a:t>
             </a:fld>
@@ -2438,7 +2438,7 @@
     </p:spTree>
     <p:extLst>
       <p:ext uri="{BB962C8B-B14F-4D97-AF65-F5344CB8AC3E}">
-        <p14:creationId xmlns:p14="http://schemas.microsoft.com/office/powerpoint/2010/main" val="3884763244"/>
+        <p14:creationId xmlns:p14="http://schemas.microsoft.com/office/powerpoint/2010/main" val="189680212"/>
       </p:ext>
     </p:extLst>
   </p:cSld>
@@ -2470,7 +2470,7 @@
           <p:cNvPr id="2" name="标题 1">
             <a:extLst>
               <a:ext uri="{FF2B5EF4-FFF2-40B4-BE49-F238E27FC236}">
-                <a16:creationId xmlns:a16="http://schemas.microsoft.com/office/drawing/2014/main" id="{AE4C3EB5-89DD-B17F-0C23-E4875DD49195}"/>
+                <a16:creationId xmlns:a16="http://schemas.microsoft.com/office/drawing/2014/main" id="{04C40829-C634-CB82-C534-2B345C270864}"/>
               </a:ext>
             </a:extLst>
           </p:cNvPr>
@@ -2507,7 +2507,7 @@
           <p:cNvPr id="3" name="图片占位符 2">
             <a:extLst>
               <a:ext uri="{FF2B5EF4-FFF2-40B4-BE49-F238E27FC236}">
-                <a16:creationId xmlns:a16="http://schemas.microsoft.com/office/drawing/2014/main" id="{F85242B9-37FA-1C1E-9168-B3314398817A}"/>
+                <a16:creationId xmlns:a16="http://schemas.microsoft.com/office/drawing/2014/main" id="{E3B316E0-DD67-4FBC-C0B4-BD2B744528F8}"/>
               </a:ext>
             </a:extLst>
           </p:cNvPr>
@@ -2574,7 +2574,7 @@
           <p:cNvPr id="4" name="文本占位符 3">
             <a:extLst>
               <a:ext uri="{FF2B5EF4-FFF2-40B4-BE49-F238E27FC236}">
-                <a16:creationId xmlns:a16="http://schemas.microsoft.com/office/drawing/2014/main" id="{92D806EA-1E68-E15E-2663-1A57D0EB687E}"/>
+                <a16:creationId xmlns:a16="http://schemas.microsoft.com/office/drawing/2014/main" id="{2622A698-F4D6-0CA8-1156-B949C88F10A3}"/>
               </a:ext>
             </a:extLst>
           </p:cNvPr>
@@ -2645,7 +2645,7 @@
           <p:cNvPr id="5" name="日期占位符 4">
             <a:extLst>
               <a:ext uri="{FF2B5EF4-FFF2-40B4-BE49-F238E27FC236}">
-                <a16:creationId xmlns:a16="http://schemas.microsoft.com/office/drawing/2014/main" id="{A9E0DA67-E160-80E0-8498-75984B2BC6CA}"/>
+                <a16:creationId xmlns:a16="http://schemas.microsoft.com/office/drawing/2014/main" id="{A5231ECB-FFDC-3F09-52A8-0365BBF31591}"/>
               </a:ext>
             </a:extLst>
           </p:cNvPr>
@@ -2661,7 +2661,7 @@
           <a:bodyPr/>
           <a:lstStyle/>
           <a:p>
-            <a:fld id="{4AAE487F-9F97-4EE9-BD6E-17BAF8685E94}" type="datetimeFigureOut">
+            <a:fld id="{A3C45C9C-A633-4A32-8D7E-438D80000561}" type="datetimeFigureOut">
               <a:rPr lang="zh-CN" altLang="en-US" smtClean="0"/>
               <a:t>2024/3/10</a:t>
             </a:fld>
@@ -2674,7 +2674,7 @@
           <p:cNvPr id="6" name="页脚占位符 5">
             <a:extLst>
               <a:ext uri="{FF2B5EF4-FFF2-40B4-BE49-F238E27FC236}">
-                <a16:creationId xmlns:a16="http://schemas.microsoft.com/office/drawing/2014/main" id="{4B943A00-CF5A-292B-8FB4-3FFF54DDE960}"/>
+                <a16:creationId xmlns:a16="http://schemas.microsoft.com/office/drawing/2014/main" id="{DE04BB83-0B03-0F2B-0208-33BECC88E32F}"/>
               </a:ext>
             </a:extLst>
           </p:cNvPr>
@@ -2699,7 +2699,7 @@
           <p:cNvPr id="7" name="灯片编号占位符 6">
             <a:extLst>
               <a:ext uri="{FF2B5EF4-FFF2-40B4-BE49-F238E27FC236}">
-                <a16:creationId xmlns:a16="http://schemas.microsoft.com/office/drawing/2014/main" id="{EF0796B4-83BB-BDCD-8362-F3843EF31021}"/>
+                <a16:creationId xmlns:a16="http://schemas.microsoft.com/office/drawing/2014/main" id="{05343C1C-C8D1-D530-21E6-8823EB952FC9}"/>
               </a:ext>
             </a:extLst>
           </p:cNvPr>
@@ -2715,7 +2715,7 @@
           <a:bodyPr/>
           <a:lstStyle/>
           <a:p>
-            <a:fld id="{E2C99DF3-7FF9-4C25-B79F-451FC8A105F6}" type="slidenum">
+            <a:fld id="{8EB96629-AE95-411E-B228-F5AC6B428582}" type="slidenum">
               <a:rPr lang="zh-CN" altLang="en-US" smtClean="0"/>
               <a:t>‹#›</a:t>
             </a:fld>
@@ -2726,7 +2726,7 @@
     </p:spTree>
     <p:extLst>
       <p:ext uri="{BB962C8B-B14F-4D97-AF65-F5344CB8AC3E}">
-        <p14:creationId xmlns:p14="http://schemas.microsoft.com/office/powerpoint/2010/main" val="939333740"/>
+        <p14:creationId xmlns:p14="http://schemas.microsoft.com/office/powerpoint/2010/main" val="1778338556"/>
       </p:ext>
     </p:extLst>
   </p:cSld>
@@ -2763,7 +2763,7 @@
           <p:cNvPr id="2" name="标题占位符 1">
             <a:extLst>
               <a:ext uri="{FF2B5EF4-FFF2-40B4-BE49-F238E27FC236}">
-                <a16:creationId xmlns:a16="http://schemas.microsoft.com/office/drawing/2014/main" id="{65623C2C-67A1-499E-2F0E-B92430D27D34}"/>
+                <a16:creationId xmlns:a16="http://schemas.microsoft.com/office/drawing/2014/main" id="{32535929-316F-30BD-F27E-5A737806926A}"/>
               </a:ext>
             </a:extLst>
           </p:cNvPr>
@@ -2801,7 +2801,7 @@
           <p:cNvPr id="3" name="文本占位符 2">
             <a:extLst>
               <a:ext uri="{FF2B5EF4-FFF2-40B4-BE49-F238E27FC236}">
-                <a16:creationId xmlns:a16="http://schemas.microsoft.com/office/drawing/2014/main" id="{65747ACB-B2A3-4B5F-0F47-BAA139D82FEB}"/>
+                <a16:creationId xmlns:a16="http://schemas.microsoft.com/office/drawing/2014/main" id="{B959F727-0D65-898C-7EBA-808583780140}"/>
               </a:ext>
             </a:extLst>
           </p:cNvPr>
@@ -2868,7 +2868,7 @@
           <p:cNvPr id="4" name="日期占位符 3">
             <a:extLst>
               <a:ext uri="{FF2B5EF4-FFF2-40B4-BE49-F238E27FC236}">
-                <a16:creationId xmlns:a16="http://schemas.microsoft.com/office/drawing/2014/main" id="{DF61026A-C9A4-39FB-B879-2A62EBA3B1D8}"/>
+                <a16:creationId xmlns:a16="http://schemas.microsoft.com/office/drawing/2014/main" id="{C02FBEAD-DF35-C2F6-A709-7CED53F96CBC}"/>
               </a:ext>
             </a:extLst>
           </p:cNvPr>
@@ -2902,7 +2902,7 @@
             </a:lvl1pPr>
           </a:lstStyle>
           <a:p>
-            <a:fld id="{4AAE487F-9F97-4EE9-BD6E-17BAF8685E94}" type="datetimeFigureOut">
+            <a:fld id="{A3C45C9C-A633-4A32-8D7E-438D80000561}" type="datetimeFigureOut">
               <a:rPr lang="zh-CN" altLang="en-US" smtClean="0"/>
               <a:t>2024/3/10</a:t>
             </a:fld>
@@ -2915,7 +2915,7 @@
           <p:cNvPr id="5" name="页脚占位符 4">
             <a:extLst>
               <a:ext uri="{FF2B5EF4-FFF2-40B4-BE49-F238E27FC236}">
-                <a16:creationId xmlns:a16="http://schemas.microsoft.com/office/drawing/2014/main" id="{35173408-728F-64C9-7A4C-113F3B86F31A}"/>
+                <a16:creationId xmlns:a16="http://schemas.microsoft.com/office/drawing/2014/main" id="{D67B1CD0-A3E3-A3F6-E3DE-F5E8B6EDE678}"/>
               </a:ext>
             </a:extLst>
           </p:cNvPr>
@@ -2958,7 +2958,7 @@
           <p:cNvPr id="6" name="灯片编号占位符 5">
             <a:extLst>
               <a:ext uri="{FF2B5EF4-FFF2-40B4-BE49-F238E27FC236}">
-                <a16:creationId xmlns:a16="http://schemas.microsoft.com/office/drawing/2014/main" id="{AB13C369-357B-1583-E2E2-C7B413A19D41}"/>
+                <a16:creationId xmlns:a16="http://schemas.microsoft.com/office/drawing/2014/main" id="{5B66BF83-D5BC-ACAD-EEAB-156A9EE2BAB3}"/>
               </a:ext>
             </a:extLst>
           </p:cNvPr>
@@ -2992,7 +2992,7 @@
             </a:lvl1pPr>
           </a:lstStyle>
           <a:p>
-            <a:fld id="{E2C99DF3-7FF9-4C25-B79F-451FC8A105F6}" type="slidenum">
+            <a:fld id="{8EB96629-AE95-411E-B228-F5AC6B428582}" type="slidenum">
               <a:rPr lang="zh-CN" altLang="en-US" smtClean="0"/>
               <a:t>‹#›</a:t>
             </a:fld>
@@ -3003,7 +3003,7 @@
     </p:spTree>
     <p:extLst>
       <p:ext uri="{BB962C8B-B14F-4D97-AF65-F5344CB8AC3E}">
-        <p14:creationId xmlns:p14="http://schemas.microsoft.com/office/powerpoint/2010/main" val="2078613848"/>
+        <p14:creationId xmlns:p14="http://schemas.microsoft.com/office/powerpoint/2010/main" val="44728485"/>
       </p:ext>
     </p:extLst>
   </p:cSld>
@@ -3323,7 +3323,7 @@
       </p:grpSpPr>
       <p:pic>
         <p:nvPicPr>
-          <p:cNvPr id="809986" name="Picture 2" descr="790"/>
+          <p:cNvPr id="811010" name="Picture 2" descr="791"/>
           <p:cNvPicPr>
             <a:picLocks noChangeAspect="1" noChangeArrowheads="1"/>
           </p:cNvPicPr>
@@ -3375,158 +3375,11 @@
           </a:extLst>
         </p:spPr>
       </p:pic>
-      <p:pic>
-        <p:nvPicPr>
-          <p:cNvPr id="811011" name="Picture 3" descr="790-2"/>
-          <p:cNvPicPr>
-            <a:picLocks noChangeAspect="1" noChangeArrowheads="1"/>
-          </p:cNvPicPr>
-          <p:nvPr/>
-        </p:nvPicPr>
-        <p:blipFill>
-          <a:blip r:embed="rId3">
-            <a:extLst>
-              <a:ext uri="{28A0092B-C50C-407E-A947-70E740481C1C}">
-                <a14:useLocalDpi xmlns:a14="http://schemas.microsoft.com/office/drawing/2010/main" val="0"/>
-              </a:ext>
-            </a:extLst>
-          </a:blip>
-          <a:srcRect/>
-          <a:stretch>
-            <a:fillRect/>
-          </a:stretch>
-        </p:blipFill>
-        <p:spPr bwMode="auto">
-          <a:xfrm>
-            <a:off x="1501776" y="0"/>
-            <a:ext cx="9129713" cy="6858000"/>
-          </a:xfrm>
-          <a:prstGeom prst="rect">
-            <a:avLst/>
-          </a:prstGeom>
-          <a:noFill/>
-          <a:ln>
-            <a:noFill/>
-          </a:ln>
-          <a:effectLst/>
-          <a:extLst>
-            <a:ext uri="{909E8E84-426E-40DD-AFC4-6F175D3DCCD1}">
-              <a14:hiddenFill xmlns:a14="http://schemas.microsoft.com/office/drawing/2010/main">
-                <a:solidFill>
-                  <a:srgbClr val="FFFFFF"/>
-                </a:solidFill>
-              </a14:hiddenFill>
-            </a:ext>
-            <a:ext uri="{91240B29-F687-4F45-9708-019B960494DF}">
-              <a14:hiddenLine xmlns:a14="http://schemas.microsoft.com/office/drawing/2010/main" w="9525">
-                <a:solidFill>
-                  <a:srgbClr val="000000"/>
-                </a:solidFill>
-                <a:miter lim="800000"/>
-                <a:headEnd/>
-                <a:tailEnd/>
-              </a14:hiddenLine>
-            </a:ext>
-            <a:ext uri="{AF507438-7753-43E0-B8FC-AC1667EBCBE1}">
-              <a14:hiddenEffects xmlns:a14="http://schemas.microsoft.com/office/drawing/2010/main">
-                <a:effectLst>
-                  <a:outerShdw dist="35921" dir="2700000" algn="ctr" rotWithShape="0">
-                    <a:srgbClr val="808080"/>
-                  </a:outerShdw>
-                </a:effectLst>
-              </a14:hiddenEffects>
-            </a:ext>
-          </a:extLst>
-        </p:spPr>
-      </p:pic>
     </p:spTree>
   </p:cSld>
   <p:clrMapOvr>
     <a:masterClrMapping/>
   </p:clrMapOvr>
-  <p:timing>
-    <p:tnLst>
-      <p:par>
-        <p:cTn id="1" dur="indefinite" restart="never" nodeType="tmRoot">
-          <p:childTnLst>
-            <p:seq concurrent="1" nextAc="seek">
-              <p:cTn id="2" dur="indefinite" nodeType="mainSeq">
-                <p:childTnLst>
-                  <p:par>
-                    <p:cTn id="3" fill="hold" nodeType="clickPar">
-                      <p:stCondLst>
-                        <p:cond delay="indefinite"/>
-                      </p:stCondLst>
-                      <p:childTnLst>
-                        <p:par>
-                          <p:cTn id="4" fill="hold" nodeType="withGroup">
-                            <p:stCondLst>
-                              <p:cond delay="0"/>
-                            </p:stCondLst>
-                            <p:childTnLst>
-                              <p:par>
-                                <p:cTn id="5" presetID="10" presetClass="entr" presetSubtype="0" fill="hold" nodeType="clickEffect">
-                                  <p:stCondLst>
-                                    <p:cond delay="0"/>
-                                  </p:stCondLst>
-                                  <p:childTnLst>
-                                    <p:set>
-                                      <p:cBhvr>
-                                        <p:cTn id="6" dur="1" fill="hold">
-                                          <p:stCondLst>
-                                            <p:cond delay="0"/>
-                                          </p:stCondLst>
-                                        </p:cTn>
-                                        <p:tgtEl>
-                                          <p:spTgt spid="811011"/>
-                                        </p:tgtEl>
-                                        <p:attrNameLst>
-                                          <p:attrName>style.visibility</p:attrName>
-                                        </p:attrNameLst>
-                                      </p:cBhvr>
-                                      <p:to>
-                                        <p:strVal val="visible"/>
-                                      </p:to>
-                                    </p:set>
-                                    <p:animEffect transition="in" filter="fade">
-                                      <p:cBhvr>
-                                        <p:cTn id="7" dur="500"/>
-                                        <p:tgtEl>
-                                          <p:spTgt spid="811011"/>
-                                        </p:tgtEl>
-                                      </p:cBhvr>
-                                    </p:animEffect>
-                                  </p:childTnLst>
-                                </p:cTn>
-                              </p:par>
-                            </p:childTnLst>
-                          </p:cTn>
-                        </p:par>
-                      </p:childTnLst>
-                    </p:cTn>
-                  </p:par>
-                </p:childTnLst>
-              </p:cTn>
-              <p:prevCondLst>
-                <p:cond evt="onPrev" delay="0">
-                  <p:tgtEl>
-                    <p:sldTgt/>
-                  </p:tgtEl>
-                </p:cond>
-              </p:prevCondLst>
-              <p:nextCondLst>
-                <p:cond evt="onNext" delay="0">
-                  <p:tgtEl>
-                    <p:sldTgt/>
-                  </p:tgtEl>
-                </p:cond>
-              </p:nextCondLst>
-            </p:seq>
-          </p:childTnLst>
-        </p:cTn>
-      </p:par>
-    </p:tnLst>
-  </p:timing>
 </p:sld>
 </file>
 
